--- a/lessons/lesson2/lesson2.pptx
+++ b/lessons/lesson2/lesson2.pptx
@@ -5,7 +5,7 @@
     <p:sldMasterId id="2147483648" r:id="rId1"/>
   </p:sldMasterIdLst>
   <p:notesMasterIdLst>
-    <p:notesMasterId r:id="rId9"/>
+    <p:notesMasterId r:id="rId8"/>
   </p:notesMasterIdLst>
   <p:sldIdLst>
     <p:sldId id="279" r:id="rId2"/>
@@ -13,13 +13,12 @@
     <p:sldId id="326" r:id="rId4"/>
     <p:sldId id="328" r:id="rId5"/>
     <p:sldId id="327" r:id="rId6"/>
-    <p:sldId id="325" r:id="rId7"/>
-    <p:sldId id="329" r:id="rId8"/>
+    <p:sldId id="329" r:id="rId7"/>
   </p:sldIdLst>
   <p:sldSz cx="9144000" cy="6858000" type="screen4x3"/>
   <p:notesSz cx="6858000" cy="9144000"/>
   <p:custDataLst>
-    <p:tags r:id="rId10"/>
+    <p:tags r:id="rId9"/>
   </p:custDataLst>
   <p:defaultTextStyle>
     <a:defPPr>
@@ -2029,19 +2028,7 @@
             <a:pPr eaLnBrk="1" hangingPunct="1"/>
             <a:r>
               <a:rPr lang="en-US" dirty="0" smtClean="0"/>
-              <a:t>Lesson </a:t>
-            </a:r>
-            <a:r>
-              <a:rPr lang="en-US" dirty="0" smtClean="0"/>
-              <a:t>2: </a:t>
-            </a:r>
-            <a:r>
-              <a:rPr lang="en-US" dirty="0" smtClean="0"/>
-              <a:t>Introduction </a:t>
-            </a:r>
-            <a:r>
-              <a:rPr lang="en-US" dirty="0" smtClean="0"/>
-              <a:t>to CSS</a:t>
+              <a:t>Lesson 2: Introduction to CSS</a:t>
             </a:r>
             <a:endParaRPr lang="en-US" dirty="0"/>
           </a:p>
@@ -2148,7 +2135,11 @@
           <a:p>
             <a:r>
               <a:rPr lang="en-US" dirty="0" smtClean="0"/>
-              <a:t>What is HTML?</a:t>
+              <a:t>What is </a:t>
+            </a:r>
+            <a:r>
+              <a:rPr lang="en-US" dirty="0" smtClean="0"/>
+              <a:t>CSS?</a:t>
             </a:r>
             <a:endParaRPr lang="en-US" dirty="0"/>
           </a:p>
@@ -2169,102 +2160,100 @@
           <a:bodyPr/>
           <a:lstStyle/>
           <a:p>
+            <a:endParaRPr lang="en-US" dirty="0"/>
+          </a:p>
+          <a:p>
             <a:r>
               <a:rPr lang="en-US" dirty="0" smtClean="0"/>
-              <a:t>HTML stands for Hyper Text Markup Language</a:t>
-            </a:r>
-          </a:p>
-          <a:p>
+              <a:t>CSS stands for Cascading Style Sheets</a:t>
+            </a:r>
+          </a:p>
+          <a:p>
+            <a:r>
+              <a:rPr lang="en-US" dirty="0" smtClean="0"/>
+              <a:t>The purpose of CSS is to describe how the elements of HTML are displayed on your website</a:t>
+            </a:r>
+          </a:p>
+          <a:p>
+            <a:r>
+              <a:rPr lang="en-US" dirty="0" smtClean="0"/>
+              <a:t>You can add CSS to your HTML Elements in 3 different ways:</a:t>
+            </a:r>
+          </a:p>
+          <a:p>
+            <a:pPr marL="676275" lvl="1" indent="-342900">
+              <a:buFont typeface="+mj-lt"/>
+              <a:buAutoNum type="arabicPeriod"/>
+            </a:pPr>
+            <a:r>
+              <a:rPr lang="en-US" dirty="0" smtClean="0"/>
+              <a:t>Inline </a:t>
+            </a:r>
+            <a:r>
+              <a:rPr lang="mr-IN" dirty="0" smtClean="0"/>
+              <a:t>–</a:t>
+            </a:r>
+            <a:r>
+              <a:rPr lang="en-US" dirty="0" smtClean="0"/>
+              <a:t> Using the style attribute</a:t>
+            </a:r>
+          </a:p>
+          <a:p>
+            <a:pPr marL="676275" lvl="1" indent="-342900">
+              <a:buFont typeface="+mj-lt"/>
+              <a:buAutoNum type="arabicPeriod"/>
+            </a:pPr>
+            <a:r>
+              <a:rPr lang="en-US" dirty="0" smtClean="0"/>
+              <a:t>Internal </a:t>
+            </a:r>
+            <a:r>
+              <a:rPr lang="mr-IN" dirty="0" smtClean="0"/>
+              <a:t>–</a:t>
+            </a:r>
+            <a:r>
+              <a:rPr lang="en-US" dirty="0" smtClean="0"/>
+              <a:t> Using the &lt;style&gt; element in the &lt;head&gt; element</a:t>
+            </a:r>
+          </a:p>
+          <a:p>
+            <a:pPr marL="676275" lvl="1" indent="-342900">
+              <a:buFont typeface="+mj-lt"/>
+              <a:buAutoNum type="arabicPeriod"/>
+            </a:pPr>
+            <a:r>
+              <a:rPr lang="en-US" dirty="0" smtClean="0"/>
+              <a:t>External </a:t>
+            </a:r>
+            <a:r>
+              <a:rPr lang="mr-IN" dirty="0" smtClean="0"/>
+              <a:t>–</a:t>
+            </a:r>
+            <a:r>
+              <a:rPr lang="en-US" dirty="0" smtClean="0"/>
+              <a:t> Using am external .</a:t>
+            </a:r>
+            <a:r>
+              <a:rPr lang="en-US" dirty="0" err="1" smtClean="0"/>
+              <a:t>css</a:t>
+            </a:r>
+            <a:r>
+              <a:rPr lang="en-US" dirty="0" smtClean="0"/>
+              <a:t> file</a:t>
+            </a:r>
+          </a:p>
+          <a:p>
+            <a:pPr marL="333375" lvl="1" indent="0">
+              <a:buNone/>
+            </a:pPr>
+            <a:endParaRPr lang="en-US" dirty="0" smtClean="0"/>
+          </a:p>
+          <a:p>
+            <a:r>
+              <a:rPr lang="en-US" dirty="0" smtClean="0"/>
+              <a:t>The most common way to use CSS is by having separate styling sheets, but we will learn all three.</a:t>
+            </a:r>
             <a:endParaRPr lang="en-US" dirty="0"/>
-          </a:p>
-          <a:p>
-            <a:r>
-              <a:rPr lang="en-US" dirty="0" smtClean="0"/>
-              <a:t>HTML is used to describe the structure of a website</a:t>
-            </a:r>
-          </a:p>
-          <a:p>
-            <a:endParaRPr lang="en-US" dirty="0"/>
-          </a:p>
-          <a:p>
-            <a:r>
-              <a:rPr lang="en-US" dirty="0" smtClean="0"/>
-              <a:t>HTML has elements that come in tag pairs</a:t>
-            </a:r>
-          </a:p>
-          <a:p>
-            <a:endParaRPr lang="en-US" dirty="0"/>
-          </a:p>
-          <a:p>
-            <a:r>
-              <a:rPr lang="en-US" dirty="0" smtClean="0"/>
-              <a:t>Almost every single website you see uses HTML in some way or form</a:t>
-            </a:r>
-          </a:p>
-          <a:p>
-            <a:endParaRPr lang="en-US" dirty="0"/>
-          </a:p>
-          <a:p>
-            <a:endParaRPr lang="en-US" dirty="0"/>
-          </a:p>
-        </p:txBody>
-      </p:sp>
-      <p:sp>
-        <p:nvSpPr>
-          <p:cNvPr id="5" name="Rectangle 4"/>
-          <p:cNvSpPr/>
-          <p:nvPr/>
-        </p:nvSpPr>
-        <p:spPr>
-          <a:xfrm>
-            <a:off x="3201779" y="4191000"/>
-            <a:ext cx="2108270" cy="923330"/>
-          </a:xfrm>
-          <a:prstGeom prst="rect">
-            <a:avLst/>
-          </a:prstGeom>
-          <a:noFill/>
-        </p:spPr>
-        <p:txBody>
-          <a:bodyPr wrap="none" lIns="91440" tIns="45720" rIns="91440" bIns="45720">
-            <a:spAutoFit/>
-          </a:bodyPr>
-          <a:lstStyle/>
-          <a:p>
-            <a:pPr algn="ctr"/>
-            <a:r>
-              <a:rPr lang="en-US" sz="5400" b="1" cap="none" spc="0" dirty="0" smtClean="0">
-                <a:ln w="22225">
-                  <a:solidFill>
-                    <a:schemeClr val="accent2"/>
-                  </a:solidFill>
-                  <a:prstDash val="solid"/>
-                </a:ln>
-                <a:solidFill>
-                  <a:schemeClr val="accent2">
-                    <a:lumMod val="40000"/>
-                    <a:lumOff val="60000"/>
-                  </a:schemeClr>
-                </a:solidFill>
-                <a:effectLst/>
-              </a:rPr>
-              <a:t>HTML</a:t>
-            </a:r>
-            <a:endParaRPr lang="en-US" sz="5400" b="1" cap="none" spc="0" dirty="0">
-              <a:ln w="22225">
-                <a:solidFill>
-                  <a:schemeClr val="accent2"/>
-                </a:solidFill>
-                <a:prstDash val="solid"/>
-              </a:ln>
-              <a:solidFill>
-                <a:schemeClr val="accent2">
-                  <a:lumMod val="40000"/>
-                  <a:lumOff val="60000"/>
-                </a:schemeClr>
-              </a:solidFill>
-              <a:effectLst/>
-            </a:endParaRPr>
           </a:p>
         </p:txBody>
       </p:sp>
@@ -2322,7 +2311,7 @@
           <a:p>
             <a:r>
               <a:rPr lang="en-US" dirty="0" smtClean="0"/>
-              <a:t>HTML Elements</a:t>
+              <a:t>Inline</a:t>
             </a:r>
             <a:endParaRPr lang="en-US" dirty="0"/>
           </a:p>
@@ -2345,78 +2334,82 @@
           <a:p>
             <a:r>
               <a:rPr lang="en-US" dirty="0" smtClean="0"/>
-              <a:t>Every HTML file is composed of html elements</a:t>
-            </a:r>
-          </a:p>
-          <a:p>
-            <a:endParaRPr lang="en-US" dirty="0"/>
+              <a:t>Inline CSS is used to give a specific styling to a single HTML element</a:t>
+            </a:r>
           </a:p>
           <a:p>
             <a:r>
               <a:rPr lang="en-US" dirty="0" smtClean="0"/>
-              <a:t>For example:</a:t>
-            </a:r>
-          </a:p>
-          <a:p>
+              <a:t>You will use the style attribute, as shown here:</a:t>
+            </a:r>
+          </a:p>
+          <a:p>
+            <a:pPr marL="0" lvl="1" indent="0">
+              <a:buNone/>
+            </a:pPr>
+            <a:r>
+              <a:rPr lang="en-US" dirty="0" smtClean="0"/>
+              <a:t>	</a:t>
+            </a:r>
+          </a:p>
+          <a:p>
+            <a:pPr marL="0" lvl="1" indent="0">
+              <a:buNone/>
+            </a:pPr>
+            <a:r>
+              <a:rPr lang="en-US" dirty="0"/>
+              <a:t>	</a:t>
+            </a:r>
+            <a:r>
+              <a:rPr lang="en-US" dirty="0" smtClean="0"/>
+              <a:t>&lt;p </a:t>
+            </a:r>
+            <a:r>
+              <a:rPr lang="en-US" u="sng" dirty="0" smtClean="0"/>
+              <a:t>style=“color: red;”</a:t>
+            </a:r>
+            <a:r>
+              <a:rPr lang="en-US" dirty="0" smtClean="0"/>
+              <a:t> &gt;This is red&lt;/p&gt;	Result: </a:t>
+            </a:r>
+            <a:r>
+              <a:rPr lang="en-US" dirty="0">
+                <a:solidFill>
+                  <a:srgbClr val="FF0000"/>
+                </a:solidFill>
+                <a:latin typeface="Times" charset="0"/>
+              </a:rPr>
+              <a:t>This is </a:t>
+            </a:r>
+            <a:r>
+              <a:rPr lang="en-US" dirty="0" smtClean="0">
+                <a:solidFill>
+                  <a:srgbClr val="FF0000"/>
+                </a:solidFill>
+                <a:latin typeface="Times" charset="0"/>
+              </a:rPr>
+              <a:t>red</a:t>
+            </a:r>
+          </a:p>
+          <a:p>
+            <a:pPr marL="0" lvl="1" indent="0">
+              <a:buNone/>
+            </a:pPr>
             <a:endParaRPr lang="en-US" dirty="0" smtClean="0"/>
           </a:p>
           <a:p>
             <a:r>
               <a:rPr lang="en-US" dirty="0" smtClean="0"/>
-              <a:t>The paragraph tag</a:t>
-            </a:r>
-            <a:br>
+              <a:t>You can also change other things besides the color, such as the styling of the fonts and the way it is displayed</a:t>
+            </a:r>
+          </a:p>
+          <a:p>
+            <a:endParaRPr lang="en-US" dirty="0" smtClean="0"/>
+          </a:p>
+          <a:p>
+            <a:r>
               <a:rPr lang="en-US" dirty="0" smtClean="0"/>
-            </a:br>
-            <a:r>
-              <a:rPr lang="en-US" dirty="0" smtClean="0"/>
-              <a:t>&lt;p&gt;Hello World!&lt;/p&gt;</a:t>
-            </a:r>
-            <a:br>
-              <a:rPr lang="en-US" dirty="0" smtClean="0"/>
-            </a:br>
-            <a:r>
-              <a:rPr lang="en-US" dirty="0" smtClean="0"/>
-              <a:t>This will print text saying “Hello World!” on the screen</a:t>
-            </a:r>
-          </a:p>
-          <a:p>
-            <a:endParaRPr lang="en-US" dirty="0"/>
-          </a:p>
-          <a:p>
-            <a:r>
-              <a:rPr lang="en-US" dirty="0" smtClean="0"/>
-              <a:t>Notice how the paragraph tag has an opening tag &lt;p&gt;</a:t>
-            </a:r>
-            <a:br>
-              <a:rPr lang="en-US" dirty="0" smtClean="0"/>
-            </a:br>
-            <a:r>
-              <a:rPr lang="en-US" dirty="0" smtClean="0"/>
-              <a:t>and a closing tag &lt;/p&gt;</a:t>
-            </a:r>
-          </a:p>
-          <a:p>
-            <a:endParaRPr lang="en-US" dirty="0"/>
-          </a:p>
-          <a:p>
-            <a:r>
-              <a:rPr lang="en-US" dirty="0" smtClean="0"/>
-              <a:t>The button tag</a:t>
-            </a:r>
-            <a:br>
-              <a:rPr lang="en-US" dirty="0" smtClean="0"/>
-            </a:br>
-            <a:r>
-              <a:rPr lang="en-US" dirty="0" smtClean="0"/>
-              <a:t>&lt;button&gt;Click Me!&lt;/button&gt;</a:t>
-            </a:r>
-            <a:br>
-              <a:rPr lang="en-US" dirty="0" smtClean="0"/>
-            </a:br>
-            <a:r>
-              <a:rPr lang="en-US" dirty="0" smtClean="0"/>
-              <a:t>This will show a button on the screen</a:t>
+              <a:t>There are many attributes, font-size, font-family, background-color, to name a few</a:t>
             </a:r>
           </a:p>
         </p:txBody>
@@ -2475,15 +2468,7 @@
           <a:p>
             <a:r>
               <a:rPr lang="en-US" dirty="0" smtClean="0"/>
-              <a:t>Nesting HTML </a:t>
-            </a:r>
-            <a:r>
-              <a:rPr lang="en-US" dirty="0"/>
-              <a:t>E</a:t>
-            </a:r>
-            <a:r>
-              <a:rPr lang="en-US" dirty="0" smtClean="0"/>
-              <a:t>lements</a:t>
+              <a:t>Internal</a:t>
             </a:r>
             <a:endParaRPr lang="en-US" dirty="0"/>
           </a:p>
@@ -2506,59 +2491,141 @@
           <a:p>
             <a:r>
               <a:rPr lang="en-US" dirty="0" smtClean="0"/>
-              <a:t>HTML elements can be put inside each other and nested</a:t>
-            </a:r>
-            <a:br>
+              <a:t>Used to define the styling for a single HTML page</a:t>
+            </a:r>
+          </a:p>
+          <a:p>
+            <a:r>
               <a:rPr lang="en-US" dirty="0" smtClean="0"/>
-            </a:br>
+              <a:t>The styling is defined in the &lt;head&gt; section within a &lt;style&gt; element:</a:t>
+            </a:r>
+          </a:p>
+          <a:p>
+            <a:pPr marL="0" indent="0">
+              <a:buNone/>
+            </a:pPr>
             <a:r>
               <a:rPr lang="en-US" dirty="0" smtClean="0"/>
-              <a:t>&lt;div&gt;</a:t>
-            </a:r>
-            <a:br>
+              <a:t>	Code:					Result:</a:t>
+            </a:r>
+          </a:p>
+          <a:p>
+            <a:pPr marL="0" indent="0">
+              <a:buNone/>
+            </a:pPr>
+            <a:endParaRPr lang="en-US" dirty="0" smtClean="0"/>
+          </a:p>
+          <a:p>
+            <a:pPr marL="0" indent="0">
+              <a:buNone/>
+            </a:pPr>
+            <a:endParaRPr lang="en-US" dirty="0"/>
+          </a:p>
+          <a:p>
+            <a:pPr marL="0" indent="0">
+              <a:buNone/>
+            </a:pPr>
+            <a:endParaRPr lang="en-US" dirty="0" smtClean="0"/>
+          </a:p>
+          <a:p>
+            <a:pPr marL="0" indent="0">
+              <a:buNone/>
+            </a:pPr>
+            <a:endParaRPr lang="en-US" dirty="0"/>
+          </a:p>
+          <a:p>
+            <a:pPr marL="0" indent="0">
+              <a:buNone/>
+            </a:pPr>
+            <a:endParaRPr lang="en-US" dirty="0" smtClean="0"/>
+          </a:p>
+          <a:p>
+            <a:pPr marL="0" indent="0">
+              <a:buNone/>
+            </a:pPr>
+            <a:endParaRPr lang="en-US" dirty="0"/>
+          </a:p>
+          <a:p>
+            <a:pPr marL="0" indent="0">
+              <a:buNone/>
+            </a:pPr>
+            <a:endParaRPr lang="en-US" dirty="0" smtClean="0"/>
+          </a:p>
+          <a:p>
+            <a:pPr marL="0" indent="0">
+              <a:buNone/>
+            </a:pPr>
+            <a:endParaRPr lang="en-US" dirty="0"/>
+          </a:p>
+          <a:p>
+            <a:r>
               <a:rPr lang="en-US" dirty="0" smtClean="0"/>
-            </a:br>
-            <a:r>
-              <a:rPr lang="en-US" dirty="0" smtClean="0"/>
-              <a:t> &lt;p&gt;Hello World!&lt;/p&gt;</a:t>
-            </a:r>
-            <a:br>
-              <a:rPr lang="en-US" dirty="0" smtClean="0"/>
-            </a:br>
-            <a:r>
-              <a:rPr lang="en-US" dirty="0" smtClean="0"/>
-              <a:t>&lt;/div&gt;</a:t>
-            </a:r>
-          </a:p>
-          <a:p>
-            <a:endParaRPr lang="en-US" dirty="0"/>
-          </a:p>
-          <a:p>
-            <a:r>
-              <a:rPr lang="en-US" dirty="0" smtClean="0"/>
-              <a:t>Here, the div element holds the paragraph element with our hello world text</a:t>
-            </a:r>
-          </a:p>
-          <a:p>
-            <a:endParaRPr lang="en-US" dirty="0"/>
-          </a:p>
-          <a:p>
-            <a:r>
-              <a:rPr lang="en-US" dirty="0" err="1"/>
-              <a:t>d</a:t>
-            </a:r>
-            <a:r>
-              <a:rPr lang="en-US" dirty="0" err="1" smtClean="0"/>
-              <a:t>ivs</a:t>
-            </a:r>
-            <a:r>
-              <a:rPr lang="en-US" dirty="0" smtClean="0"/>
-              <a:t> are used for structure in the website like making columns of different sizes</a:t>
+              <a:t>You define the element tag within the style element and give it the styling attributes that you would like</a:t>
             </a:r>
             <a:endParaRPr lang="en-US" dirty="0"/>
           </a:p>
         </p:txBody>
       </p:sp>
+      <p:pic>
+        <p:nvPicPr>
+          <p:cNvPr id="5" name="Picture 4"/>
+          <p:cNvPicPr>
+            <a:picLocks noChangeAspect="1"/>
+          </p:cNvPicPr>
+          <p:nvPr/>
+        </p:nvPicPr>
+        <p:blipFill>
+          <a:blip r:embed="rId2">
+            <a:extLst>
+              <a:ext uri="{28A0092B-C50C-407E-A947-70E740481C1C}">
+                <a14:useLocalDpi xmlns:a14="http://schemas.microsoft.com/office/drawing/2010/main" val="0"/>
+              </a:ext>
+            </a:extLst>
+          </a:blip>
+          <a:stretch>
+            <a:fillRect/>
+          </a:stretch>
+        </p:blipFill>
+        <p:spPr>
+          <a:xfrm>
+            <a:off x="929463" y="2209800"/>
+            <a:ext cx="3073400" cy="2133600"/>
+          </a:xfrm>
+          <a:prstGeom prst="rect">
+            <a:avLst/>
+          </a:prstGeom>
+        </p:spPr>
+      </p:pic>
+      <p:pic>
+        <p:nvPicPr>
+          <p:cNvPr id="6" name="Picture 5"/>
+          <p:cNvPicPr>
+            <a:picLocks noChangeAspect="1"/>
+          </p:cNvPicPr>
+          <p:nvPr/>
+        </p:nvPicPr>
+        <p:blipFill>
+          <a:blip r:embed="rId3">
+            <a:extLst>
+              <a:ext uri="{28A0092B-C50C-407E-A947-70E740481C1C}">
+                <a14:useLocalDpi xmlns:a14="http://schemas.microsoft.com/office/drawing/2010/main" val="0"/>
+              </a:ext>
+            </a:extLst>
+          </a:blip>
+          <a:stretch>
+            <a:fillRect/>
+          </a:stretch>
+        </p:blipFill>
+        <p:spPr>
+          <a:xfrm>
+            <a:off x="4635353" y="2138829"/>
+            <a:ext cx="3596167" cy="2275541"/>
+          </a:xfrm>
+          <a:prstGeom prst="rect">
+            <a:avLst/>
+          </a:prstGeom>
+        </p:spPr>
+      </p:pic>
     </p:spTree>
     <p:extLst>
       <p:ext uri="{BB962C8B-B14F-4D97-AF65-F5344CB8AC3E}">
@@ -2613,7 +2680,7 @@
           <a:p>
             <a:r>
               <a:rPr lang="en-US" dirty="0" smtClean="0"/>
-              <a:t>Creating an HTML file</a:t>
+              <a:t>External CSS</a:t>
             </a:r>
             <a:endParaRPr lang="en-US" dirty="0"/>
           </a:p>
@@ -2636,59 +2703,65 @@
           <a:p>
             <a:r>
               <a:rPr lang="en-US" dirty="0" smtClean="0"/>
-              <a:t>Every HTML file has a few key components</a:t>
-            </a:r>
-          </a:p>
-          <a:p>
+              <a:t>Used to define the styling for many HTML pages</a:t>
+            </a:r>
+          </a:p>
+          <a:p>
+            <a:r>
+              <a:rPr lang="en-US" dirty="0" smtClean="0"/>
+              <a:t>This is powerful since you can change the look of your entire website using just one file</a:t>
+            </a:r>
+          </a:p>
+          <a:p>
+            <a:r>
+              <a:rPr lang="en-US" dirty="0" smtClean="0"/>
+              <a:t>First, add the link to the style sheet into the &lt;head&gt; section of your code:</a:t>
+            </a:r>
+          </a:p>
+          <a:p>
+            <a:pPr lvl="8"/>
+            <a:r>
+              <a:rPr lang="en-US" dirty="0" err="1" smtClean="0"/>
+              <a:t>fttt</a:t>
+            </a:r>
+            <a:r>
+              <a:rPr lang="en-US" dirty="0" smtClean="0"/>
+              <a:t>		The </a:t>
+            </a:r>
+            <a:r>
+              <a:rPr lang="en-US" u="sng" dirty="0" err="1" smtClean="0"/>
+              <a:t>href</a:t>
+            </a:r>
+            <a:r>
+              <a:rPr lang="en-US" dirty="0" smtClean="0"/>
+              <a:t> attribute is the link to your sheet. This file must 		be within the same folder in order to link it using just the 		name of the file.</a:t>
+            </a:r>
             <a:endParaRPr lang="en-US" dirty="0"/>
           </a:p>
           <a:p>
+            <a:endParaRPr lang="en-US" dirty="0" smtClean="0"/>
+          </a:p>
+          <a:p>
+            <a:endParaRPr lang="en-US" dirty="0"/>
+          </a:p>
+          <a:p>
+            <a:endParaRPr lang="en-US" dirty="0" smtClean="0"/>
+          </a:p>
+          <a:p>
+            <a:endParaRPr lang="en-US" dirty="0" smtClean="0"/>
+          </a:p>
+          <a:p>
             <a:r>
               <a:rPr lang="en-US" dirty="0" smtClean="0"/>
-              <a:t>A tag at the top of the file which specifies that the file is HTML so that the browser like Google Chrome or Safari knows how to display it</a:t>
-            </a:r>
-            <a:br>
+              <a:t>An example of what your .</a:t>
+            </a:r>
+            <a:r>
+              <a:rPr lang="en-US" dirty="0" err="1" smtClean="0"/>
+              <a:t>css</a:t>
+            </a:r>
+            <a:r>
               <a:rPr lang="en-US" dirty="0" smtClean="0"/>
-            </a:br>
-            <a:r>
-              <a:rPr lang="en-US" dirty="0" smtClean="0"/>
-              <a:t>&lt;!DOCTYPE html&gt;</a:t>
-            </a:r>
-          </a:p>
-          <a:p>
-            <a:endParaRPr lang="en-US" dirty="0" smtClean="0"/>
-          </a:p>
-          <a:p>
-            <a:r>
-              <a:rPr lang="en-US" dirty="0" smtClean="0"/>
-              <a:t>html opening and closing tags</a:t>
-            </a:r>
-            <a:br>
-              <a:rPr lang="en-US" dirty="0" smtClean="0"/>
-            </a:br>
-            <a:r>
-              <a:rPr lang="en-US" dirty="0" smtClean="0"/>
-              <a:t>&lt;html&gt;</a:t>
-            </a:r>
-            <a:br>
-              <a:rPr lang="en-US" dirty="0" smtClean="0"/>
-            </a:br>
-            <a:r>
-              <a:rPr lang="en-US" dirty="0" smtClean="0"/>
-              <a:t>&lt;/html&gt;</a:t>
-            </a:r>
-          </a:p>
-          <a:p>
-            <a:r>
-              <a:rPr lang="en-US" dirty="0" smtClean="0"/>
-              <a:t>Head opening and closing tags, where the website title and style links go</a:t>
-            </a:r>
-            <a:br>
-              <a:rPr lang="en-US" dirty="0" smtClean="0"/>
-            </a:br>
-            <a:r>
-              <a:rPr lang="en-US" dirty="0" smtClean="0"/>
-              <a:t>&lt;head&gt;&lt;/head&gt;</a:t>
+              <a:t> file could look like:</a:t>
             </a:r>
           </a:p>
           <a:p>
@@ -2696,6 +2769,66 @@
           </a:p>
         </p:txBody>
       </p:sp>
+      <p:pic>
+        <p:nvPicPr>
+          <p:cNvPr id="5" name="Picture 4"/>
+          <p:cNvPicPr>
+            <a:picLocks noChangeAspect="1"/>
+          </p:cNvPicPr>
+          <p:nvPr/>
+        </p:nvPicPr>
+        <p:blipFill>
+          <a:blip r:embed="rId2">
+            <a:extLst>
+              <a:ext uri="{28A0092B-C50C-407E-A947-70E740481C1C}">
+                <a14:useLocalDpi xmlns:a14="http://schemas.microsoft.com/office/drawing/2010/main" val="0"/>
+              </a:ext>
+            </a:extLst>
+          </a:blip>
+          <a:stretch>
+            <a:fillRect/>
+          </a:stretch>
+        </p:blipFill>
+        <p:spPr>
+          <a:xfrm>
+            <a:off x="1600200" y="4800600"/>
+            <a:ext cx="2717800" cy="1618847"/>
+          </a:xfrm>
+          <a:prstGeom prst="rect">
+            <a:avLst/>
+          </a:prstGeom>
+        </p:spPr>
+      </p:pic>
+      <p:pic>
+        <p:nvPicPr>
+          <p:cNvPr id="6" name="Picture 5"/>
+          <p:cNvPicPr>
+            <a:picLocks noChangeAspect="1"/>
+          </p:cNvPicPr>
+          <p:nvPr/>
+        </p:nvPicPr>
+        <p:blipFill>
+          <a:blip r:embed="rId3">
+            <a:extLst>
+              <a:ext uri="{28A0092B-C50C-407E-A947-70E740481C1C}">
+                <a14:useLocalDpi xmlns:a14="http://schemas.microsoft.com/office/drawing/2010/main" val="0"/>
+              </a:ext>
+            </a:extLst>
+          </a:blip>
+          <a:stretch>
+            <a:fillRect/>
+          </a:stretch>
+        </p:blipFill>
+        <p:spPr>
+          <a:xfrm>
+            <a:off x="1635642" y="2438400"/>
+            <a:ext cx="3070520" cy="1845469"/>
+          </a:xfrm>
+          <a:prstGeom prst="rect">
+            <a:avLst/>
+          </a:prstGeom>
+        </p:spPr>
+      </p:pic>
     </p:spTree>
     <p:extLst>
       <p:ext uri="{BB962C8B-B14F-4D97-AF65-F5344CB8AC3E}">
@@ -2750,7 +2883,7 @@
           <a:p>
             <a:r>
               <a:rPr lang="en-US" dirty="0" smtClean="0"/>
-              <a:t>What does HTML look like? Here is an example</a:t>
+              <a:t>Example styling</a:t>
             </a:r>
             <a:endParaRPr lang="en-US" dirty="0"/>
           </a:p>
@@ -2772,319 +2905,67 @@
           <a:lstStyle/>
           <a:p>
             <a:r>
-              <a:rPr lang="en-US" b="0" dirty="0"/>
-              <a:t>&lt;!</a:t>
-            </a:r>
-            <a:r>
-              <a:rPr lang="en-US" b="0" dirty="0" smtClean="0"/>
-              <a:t>DOCTYPE</a:t>
-            </a:r>
-            <a:r>
-              <a:rPr lang="en-US" b="0" dirty="0"/>
-              <a:t> html&gt;</a:t>
-            </a:r>
-            <a:r>
-              <a:rPr lang="en-US" dirty="0"/>
-              <a:t/>
-            </a:r>
-            <a:br>
-              <a:rPr lang="en-US" dirty="0"/>
-            </a:br>
-            <a:r>
-              <a:rPr lang="en-US" b="0" dirty="0" smtClean="0"/>
-              <a:t>&lt;</a:t>
-            </a:r>
-            <a:r>
-              <a:rPr lang="en-US" b="0" dirty="0"/>
-              <a:t>html&gt;</a:t>
-            </a:r>
-            <a:r>
-              <a:rPr lang="en-US" dirty="0"/>
-              <a:t/>
-            </a:r>
-            <a:br>
-              <a:rPr lang="en-US" dirty="0"/>
-            </a:br>
-            <a:r>
-              <a:rPr lang="en-US" b="0" dirty="0" smtClean="0"/>
-              <a:t>&lt;</a:t>
-            </a:r>
-            <a:r>
-              <a:rPr lang="en-US" b="0" dirty="0"/>
-              <a:t>head</a:t>
-            </a:r>
-            <a:r>
-              <a:rPr lang="en-US" b="0" dirty="0" smtClean="0"/>
-              <a:t>&gt;</a:t>
-            </a:r>
-            <a:r>
               <a:rPr lang="en-US" dirty="0" smtClean="0"/>
-              <a:t/>
-            </a:r>
-            <a:br>
+              <a:t>Here are some things you can change on a website:</a:t>
+            </a:r>
+          </a:p>
+          <a:p>
+            <a:endParaRPr lang="en-US" dirty="0" smtClean="0"/>
+          </a:p>
+          <a:p>
+            <a:r>
               <a:rPr lang="en-US" dirty="0" smtClean="0"/>
-            </a:br>
+              <a:t>Color (color of the font)</a:t>
+            </a:r>
+          </a:p>
+          <a:p>
+            <a:endParaRPr lang="en-US" dirty="0" smtClean="0"/>
+          </a:p>
+          <a:p>
             <a:r>
               <a:rPr lang="en-US" dirty="0" smtClean="0"/>
-              <a:t>    </a:t>
-            </a:r>
-            <a:r>
-              <a:rPr lang="en-US" b="0" dirty="0" smtClean="0"/>
-              <a:t>&lt;</a:t>
-            </a:r>
-            <a:r>
-              <a:rPr lang="en-US" b="0" dirty="0"/>
-              <a:t>title&gt;Page Title&lt;/title&gt;</a:t>
-            </a:r>
-            <a:r>
-              <a:rPr lang="en-US" dirty="0"/>
-              <a:t/>
-            </a:r>
-            <a:br>
-              <a:rPr lang="en-US" dirty="0"/>
-            </a:br>
-            <a:r>
-              <a:rPr lang="en-US" b="0" dirty="0" smtClean="0"/>
-              <a:t>&lt;/</a:t>
-            </a:r>
-            <a:r>
-              <a:rPr lang="en-US" b="0" dirty="0"/>
-              <a:t>head&gt;</a:t>
-            </a:r>
-            <a:r>
-              <a:rPr lang="en-US" dirty="0"/>
-              <a:t/>
-            </a:r>
-            <a:br>
-              <a:rPr lang="en-US" dirty="0"/>
-            </a:br>
-            <a:r>
-              <a:rPr lang="en-US" b="0" dirty="0"/>
-              <a:t>&lt;body</a:t>
-            </a:r>
-            <a:r>
-              <a:rPr lang="en-US" b="0" dirty="0" smtClean="0"/>
-              <a:t>&gt;</a:t>
-            </a:r>
-            <a:r>
-              <a:rPr lang="en-US" dirty="0"/>
-              <a:t/>
-            </a:r>
-            <a:br>
-              <a:rPr lang="en-US" dirty="0"/>
-            </a:br>
+              <a:t>Background-color (the color of the background)</a:t>
+            </a:r>
+          </a:p>
+          <a:p>
+            <a:endParaRPr lang="en-US" dirty="0" smtClean="0"/>
+          </a:p>
+          <a:p>
             <a:r>
               <a:rPr lang="en-US" dirty="0" smtClean="0"/>
-              <a:t>    </a:t>
-            </a:r>
-            <a:r>
-              <a:rPr lang="en-US" b="0" dirty="0" smtClean="0"/>
-              <a:t>&lt;</a:t>
-            </a:r>
-            <a:r>
-              <a:rPr lang="en-US" b="0" dirty="0"/>
-              <a:t>h1&gt;My First Heading&lt;/h1&gt;</a:t>
-            </a:r>
-            <a:r>
-              <a:rPr lang="en-US" dirty="0"/>
-              <a:t/>
-            </a:r>
-            <a:br>
-              <a:rPr lang="en-US" dirty="0"/>
-            </a:br>
+              <a:t>font-size (size of the font)</a:t>
+            </a:r>
+          </a:p>
+          <a:p>
+            <a:endParaRPr lang="en-US" dirty="0" smtClean="0"/>
+          </a:p>
+          <a:p>
             <a:r>
               <a:rPr lang="en-US" dirty="0" smtClean="0"/>
-              <a:t>    </a:t>
-            </a:r>
-            <a:r>
-              <a:rPr lang="en-US" b="0" dirty="0" smtClean="0"/>
-              <a:t>&lt;</a:t>
-            </a:r>
-            <a:r>
-              <a:rPr lang="en-US" b="0" dirty="0"/>
-              <a:t>p&gt;My first paragraph.&lt;/p</a:t>
-            </a:r>
-            <a:r>
-              <a:rPr lang="en-US" b="0" dirty="0" smtClean="0"/>
-              <a:t>&gt;</a:t>
-            </a:r>
-            <a:r>
-              <a:rPr lang="en-US" dirty="0"/>
-              <a:t/>
-            </a:r>
-            <a:br>
-              <a:rPr lang="en-US" dirty="0"/>
-            </a:br>
-            <a:r>
-              <a:rPr lang="en-US" b="0" dirty="0"/>
-              <a:t>&lt;/body&gt;</a:t>
-            </a:r>
-            <a:r>
-              <a:rPr lang="en-US" dirty="0"/>
-              <a:t/>
-            </a:r>
-            <a:br>
-              <a:rPr lang="en-US" dirty="0"/>
-            </a:br>
-            <a:r>
-              <a:rPr lang="en-US" b="0" dirty="0"/>
-              <a:t>&lt;/html</a:t>
-            </a:r>
-            <a:r>
-              <a:rPr lang="en-US" b="0" dirty="0" smtClean="0"/>
-              <a:t>&gt;</a:t>
-            </a:r>
-          </a:p>
-          <a:p>
-            <a:endParaRPr lang="en-US" b="0" dirty="0"/>
-          </a:p>
-          <a:p>
-            <a:endParaRPr lang="en-US" b="0" dirty="0" smtClean="0"/>
-          </a:p>
-          <a:p>
-            <a:r>
-              <a:rPr lang="en-US" b="0" dirty="0" smtClean="0"/>
-              <a:t>Try coping this into an </a:t>
-            </a:r>
-            <a:r>
-              <a:rPr lang="en-US" b="0" dirty="0" err="1" smtClean="0"/>
-              <a:t>index.html</a:t>
-            </a:r>
-            <a:r>
-              <a:rPr lang="en-US" b="0" dirty="0" smtClean="0"/>
-              <a:t> file and open it with your browser</a:t>
-            </a:r>
-          </a:p>
-          <a:p>
-            <a:r>
-              <a:rPr lang="en-US" b="0" dirty="0" smtClean="0"/>
-              <a:t>Change the text, save the file and refresh the website to see your changes</a:t>
-            </a:r>
-            <a:endParaRPr lang="en-US" dirty="0"/>
+              <a:t>font-family (font type/family)</a:t>
+            </a:r>
+          </a:p>
+          <a:p>
+            <a:endParaRPr lang="en-US" dirty="0" smtClean="0"/>
+          </a:p>
+          <a:p>
+            <a:r>
+              <a:rPr lang="en-US" dirty="0" smtClean="0"/>
+              <a:t>Border (gives a border surrounding the element)</a:t>
+            </a:r>
           </a:p>
         </p:txBody>
       </p:sp>
-      <p:pic>
-        <p:nvPicPr>
-          <p:cNvPr id="5" name="Picture 4"/>
-          <p:cNvPicPr>
-            <a:picLocks noChangeAspect="1"/>
-          </p:cNvPicPr>
-          <p:nvPr/>
-        </p:nvPicPr>
-        <p:blipFill rotWithShape="1">
-          <a:blip r:embed="rId2">
-            <a:extLst>
-              <a:ext uri="{28A0092B-C50C-407E-A947-70E740481C1C}">
-                <a14:useLocalDpi xmlns:a14="http://schemas.microsoft.com/office/drawing/2010/main" val="0"/>
-              </a:ext>
-            </a:extLst>
-          </a:blip>
-          <a:srcRect r="58333"/>
-          <a:stretch/>
-        </p:blipFill>
-        <p:spPr>
-          <a:xfrm>
-            <a:off x="4419600" y="779463"/>
-            <a:ext cx="3810000" cy="4272197"/>
-          </a:xfrm>
-          <a:prstGeom prst="rect">
-            <a:avLst/>
-          </a:prstGeom>
-        </p:spPr>
-      </p:pic>
     </p:spTree>
     <p:extLst>
       <p:ext uri="{BB962C8B-B14F-4D97-AF65-F5344CB8AC3E}">
-        <p14:creationId xmlns:p14="http://schemas.microsoft.com/office/powerpoint/2010/main" val="563783300"/>
+        <p14:creationId xmlns:p14="http://schemas.microsoft.com/office/powerpoint/2010/main" val="477940860"/>
       </p:ext>
     </p:extLst>
   </p:cSld>
   <p:clrMapOvr>
     <a:masterClrMapping/>
   </p:clrMapOvr>
-  <p:timing>
-    <p:tnLst>
-      <p:par>
-        <p:cTn id="1" dur="indefinite" restart="never" nodeType="tmRoot"/>
-      </p:par>
-    </p:tnLst>
-  </p:timing>
-</p:sld>
-</file>
-
-<file path=ppt/slides/slide7.xml><?xml version="1.0" encoding="utf-8"?>
-<p:sld xmlns:a="http://schemas.openxmlformats.org/drawingml/2006/main" xmlns:r="http://schemas.openxmlformats.org/officeDocument/2006/relationships" xmlns:p="http://schemas.openxmlformats.org/presentationml/2006/main">
-  <p:cSld>
-    <p:spTree>
-      <p:nvGrpSpPr>
-        <p:cNvPr id="1" name=""/>
-        <p:cNvGrpSpPr/>
-        <p:nvPr/>
-      </p:nvGrpSpPr>
-      <p:grpSpPr>
-        <a:xfrm>
-          <a:off x="0" y="0"/>
-          <a:ext cx="0" cy="0"/>
-          <a:chOff x="0" y="0"/>
-          <a:chExt cx="0" cy="0"/>
-        </a:xfrm>
-      </p:grpSpPr>
-      <p:sp>
-        <p:nvSpPr>
-          <p:cNvPr id="2" name="Title 1"/>
-          <p:cNvSpPr>
-            <a:spLocks noGrp="1"/>
-          </p:cNvSpPr>
-          <p:nvPr>
-            <p:ph type="title"/>
-          </p:nvPr>
-        </p:nvSpPr>
-        <p:spPr/>
-        <p:txBody>
-          <a:bodyPr/>
-          <a:lstStyle/>
-          <a:p>
-            <a:endParaRPr lang="en-US"/>
-          </a:p>
-        </p:txBody>
-      </p:sp>
-      <p:sp>
-        <p:nvSpPr>
-          <p:cNvPr id="3" name="Content Placeholder 2"/>
-          <p:cNvSpPr>
-            <a:spLocks noGrp="1"/>
-          </p:cNvSpPr>
-          <p:nvPr>
-            <p:ph idx="1"/>
-          </p:nvPr>
-        </p:nvSpPr>
-        <p:spPr/>
-        <p:txBody>
-          <a:bodyPr/>
-          <a:lstStyle/>
-          <a:p>
-            <a:endParaRPr lang="en-US"/>
-          </a:p>
-        </p:txBody>
-      </p:sp>
-    </p:spTree>
-    <p:extLst>
-      <p:ext uri="{BB962C8B-B14F-4D97-AF65-F5344CB8AC3E}">
-        <p14:creationId xmlns:p14="http://schemas.microsoft.com/office/powerpoint/2010/main" val="1669208927"/>
-      </p:ext>
-    </p:extLst>
-  </p:cSld>
-  <p:clrMapOvr>
-    <a:masterClrMapping/>
-  </p:clrMapOvr>
-  <p:timing>
-    <p:tnLst>
-      <p:par>
-        <p:cTn id="1" dur="indefinite" restart="never" nodeType="tmRoot"/>
-      </p:par>
-    </p:tnLst>
-  </p:timing>
 </p:sld>
 </file>
 
